--- a/SWEN3165/Presentation/Menu Tingz Testing Report.pptx
+++ b/SWEN3165/Presentation/Menu Tingz Testing Report.pptx
@@ -296,7 +296,7 @@
           <a:p>
             <a:fld id="{A226898B-11EF-4C35-9873-F08DC0FD54BD}" type="datetimeFigureOut">
               <a:rPr lang="en-US" smtClean="0"/>
-              <a:t>5/7/2019</a:t>
+              <a:t>5/15/2019</a:t>
             </a:fld>
             <a:endParaRPr lang="en-US"/>
           </a:p>
@@ -466,7 +466,7 @@
           <a:p>
             <a:fld id="{A226898B-11EF-4C35-9873-F08DC0FD54BD}" type="datetimeFigureOut">
               <a:rPr lang="en-US" smtClean="0"/>
-              <a:t>5/7/2019</a:t>
+              <a:t>5/15/2019</a:t>
             </a:fld>
             <a:endParaRPr lang="en-US"/>
           </a:p>
@@ -646,7 +646,7 @@
           <a:p>
             <a:fld id="{A226898B-11EF-4C35-9873-F08DC0FD54BD}" type="datetimeFigureOut">
               <a:rPr lang="en-US" smtClean="0"/>
-              <a:t>5/7/2019</a:t>
+              <a:t>5/15/2019</a:t>
             </a:fld>
             <a:endParaRPr lang="en-US"/>
           </a:p>
@@ -816,7 +816,7 @@
           <a:p>
             <a:fld id="{A226898B-11EF-4C35-9873-F08DC0FD54BD}" type="datetimeFigureOut">
               <a:rPr lang="en-US" smtClean="0"/>
-              <a:t>5/7/2019</a:t>
+              <a:t>5/15/2019</a:t>
             </a:fld>
             <a:endParaRPr lang="en-US"/>
           </a:p>
@@ -1062,7 +1062,7 @@
           <a:p>
             <a:fld id="{A226898B-11EF-4C35-9873-F08DC0FD54BD}" type="datetimeFigureOut">
               <a:rPr lang="en-US" smtClean="0"/>
-              <a:t>5/7/2019</a:t>
+              <a:t>5/15/2019</a:t>
             </a:fld>
             <a:endParaRPr lang="en-US"/>
           </a:p>
@@ -1350,7 +1350,7 @@
           <a:p>
             <a:fld id="{A226898B-11EF-4C35-9873-F08DC0FD54BD}" type="datetimeFigureOut">
               <a:rPr lang="en-US" smtClean="0"/>
-              <a:t>5/7/2019</a:t>
+              <a:t>5/15/2019</a:t>
             </a:fld>
             <a:endParaRPr lang="en-US"/>
           </a:p>
@@ -1772,7 +1772,7 @@
           <a:p>
             <a:fld id="{A226898B-11EF-4C35-9873-F08DC0FD54BD}" type="datetimeFigureOut">
               <a:rPr lang="en-US" smtClean="0"/>
-              <a:t>5/7/2019</a:t>
+              <a:t>5/15/2019</a:t>
             </a:fld>
             <a:endParaRPr lang="en-US"/>
           </a:p>
@@ -1890,7 +1890,7 @@
           <a:p>
             <a:fld id="{A226898B-11EF-4C35-9873-F08DC0FD54BD}" type="datetimeFigureOut">
               <a:rPr lang="en-US" smtClean="0"/>
-              <a:t>5/7/2019</a:t>
+              <a:t>5/15/2019</a:t>
             </a:fld>
             <a:endParaRPr lang="en-US"/>
           </a:p>
@@ -1985,7 +1985,7 @@
           <a:p>
             <a:fld id="{A226898B-11EF-4C35-9873-F08DC0FD54BD}" type="datetimeFigureOut">
               <a:rPr lang="en-US" smtClean="0"/>
-              <a:t>5/7/2019</a:t>
+              <a:t>5/15/2019</a:t>
             </a:fld>
             <a:endParaRPr lang="en-US"/>
           </a:p>
@@ -2262,7 +2262,7 @@
           <a:p>
             <a:fld id="{A226898B-11EF-4C35-9873-F08DC0FD54BD}" type="datetimeFigureOut">
               <a:rPr lang="en-US" smtClean="0"/>
-              <a:t>5/7/2019</a:t>
+              <a:t>5/15/2019</a:t>
             </a:fld>
             <a:endParaRPr lang="en-US"/>
           </a:p>
@@ -2515,7 +2515,7 @@
           <a:p>
             <a:fld id="{A226898B-11EF-4C35-9873-F08DC0FD54BD}" type="datetimeFigureOut">
               <a:rPr lang="en-US" smtClean="0"/>
-              <a:t>5/7/2019</a:t>
+              <a:t>5/15/2019</a:t>
             </a:fld>
             <a:endParaRPr lang="en-US"/>
           </a:p>
@@ -2737,7 +2737,7 @@
           <a:p>
             <a:fld id="{A226898B-11EF-4C35-9873-F08DC0FD54BD}" type="datetimeFigureOut">
               <a:rPr lang="en-US" smtClean="0"/>
-              <a:t>5/7/2019</a:t>
+              <a:t>5/15/2019</a:t>
             </a:fld>
             <a:endParaRPr lang="en-US"/>
           </a:p>
@@ -3144,20 +3144,12 @@
               <a:rPr lang="en-US" dirty="0" smtClean="0"/>
               <a:t> </a:t>
             </a:r>
-            <a:r>
-              <a:rPr lang="en-US" dirty="0" smtClean="0"/>
-              <a:t/>
-            </a:r>
             <a:br>
               <a:rPr lang="en-US" dirty="0" smtClean="0"/>
             </a:br>
             <a:r>
               <a:rPr lang="en-US" sz="3600" dirty="0" smtClean="0"/>
-              <a:t>Testing </a:t>
-            </a:r>
-            <a:r>
-              <a:rPr lang="en-US" sz="3600" dirty="0" smtClean="0"/>
-              <a:t>Report</a:t>
+              <a:t>Testing Report</a:t>
             </a:r>
             <a:endParaRPr lang="en-US" dirty="0"/>
           </a:p>
@@ -3666,15 +3658,7 @@
                   <a:schemeClr val="tx1"/>
                 </a:solidFill>
               </a:rPr>
-              <a:t>Upon signing in the total number of event flows is very small. Possible flows consist of selecting from available options. </a:t>
-            </a:r>
-            <a:r>
-              <a:rPr lang="en-US" dirty="0" smtClean="0">
-                <a:solidFill>
-                  <a:schemeClr val="tx1"/>
-                </a:solidFill>
-              </a:rPr>
-              <a:t>This results in a very low chance of an error occurring therefore </a:t>
+              <a:t>Upon signing in the total number of event flows is very small. Possible flows consist of selecting from available options. This results in a very low chance of an error occurring therefore </a:t>
             </a:r>
             <a:r>
               <a:rPr lang="en-US" dirty="0">
@@ -4205,8 +4189,43 @@
                   <a:schemeClr val="tx1"/>
                 </a:solidFill>
               </a:rPr>
-              <a:t>No max length of the form fields</a:t>
-            </a:r>
+              <a:t>No max length of the form </a:t>
+            </a:r>
+            <a:r>
+              <a:rPr lang="en-US" dirty="0" smtClean="0">
+                <a:solidFill>
+                  <a:schemeClr val="tx1"/>
+                </a:solidFill>
+              </a:rPr>
+              <a:t>fields</a:t>
+            </a:r>
+          </a:p>
+          <a:p>
+            <a:pPr marL="457200" indent="-457200" algn="l">
+              <a:buFont typeface="Arial" pitchFamily="34" charset="0"/>
+              <a:buChar char="•"/>
+            </a:pPr>
+            <a:r>
+              <a:rPr lang="en-US" smtClean="0">
+                <a:solidFill>
+                  <a:schemeClr val="tx1"/>
+                </a:solidFill>
+              </a:rPr>
+              <a:t>Screens </a:t>
+            </a:r>
+            <a:r>
+              <a:rPr lang="en-US" dirty="0" smtClean="0">
+                <a:solidFill>
+                  <a:schemeClr val="tx1"/>
+                </a:solidFill>
+              </a:rPr>
+              <a:t>aren’t properly stacked</a:t>
+            </a:r>
+            <a:endParaRPr lang="en-US" dirty="0" smtClean="0">
+              <a:solidFill>
+                <a:schemeClr val="tx1"/>
+              </a:solidFill>
+            </a:endParaRPr>
           </a:p>
           <a:p>
             <a:pPr marL="457200" indent="-457200" algn="l">

--- a/SWEN3165/Presentation/Menu Tingz Testing Report.pptx
+++ b/SWEN3165/Presentation/Menu Tingz Testing Report.pptx
@@ -14,6 +14,7 @@
     <p:sldId id="261" r:id="rId8"/>
     <p:sldId id="262" r:id="rId9"/>
     <p:sldId id="264" r:id="rId10"/>
+    <p:sldId id="265" r:id="rId11"/>
   </p:sldIdLst>
   <p:sldSz cx="9144000" cy="6858000" type="screen4x3"/>
   <p:notesSz cx="6858000" cy="9144000"/>
@@ -296,7 +297,7 @@
           <a:p>
             <a:fld id="{A226898B-11EF-4C35-9873-F08DC0FD54BD}" type="datetimeFigureOut">
               <a:rPr lang="en-US" smtClean="0"/>
-              <a:t>5/15/2019</a:t>
+              <a:t>5/18/2019</a:t>
             </a:fld>
             <a:endParaRPr lang="en-US"/>
           </a:p>
@@ -466,7 +467,7 @@
           <a:p>
             <a:fld id="{A226898B-11EF-4C35-9873-F08DC0FD54BD}" type="datetimeFigureOut">
               <a:rPr lang="en-US" smtClean="0"/>
-              <a:t>5/15/2019</a:t>
+              <a:t>5/18/2019</a:t>
             </a:fld>
             <a:endParaRPr lang="en-US"/>
           </a:p>
@@ -646,7 +647,7 @@
           <a:p>
             <a:fld id="{A226898B-11EF-4C35-9873-F08DC0FD54BD}" type="datetimeFigureOut">
               <a:rPr lang="en-US" smtClean="0"/>
-              <a:t>5/15/2019</a:t>
+              <a:t>5/18/2019</a:t>
             </a:fld>
             <a:endParaRPr lang="en-US"/>
           </a:p>
@@ -816,7 +817,7 @@
           <a:p>
             <a:fld id="{A226898B-11EF-4C35-9873-F08DC0FD54BD}" type="datetimeFigureOut">
               <a:rPr lang="en-US" smtClean="0"/>
-              <a:t>5/15/2019</a:t>
+              <a:t>5/18/2019</a:t>
             </a:fld>
             <a:endParaRPr lang="en-US"/>
           </a:p>
@@ -1062,7 +1063,7 @@
           <a:p>
             <a:fld id="{A226898B-11EF-4C35-9873-F08DC0FD54BD}" type="datetimeFigureOut">
               <a:rPr lang="en-US" smtClean="0"/>
-              <a:t>5/15/2019</a:t>
+              <a:t>5/18/2019</a:t>
             </a:fld>
             <a:endParaRPr lang="en-US"/>
           </a:p>
@@ -1350,7 +1351,7 @@
           <a:p>
             <a:fld id="{A226898B-11EF-4C35-9873-F08DC0FD54BD}" type="datetimeFigureOut">
               <a:rPr lang="en-US" smtClean="0"/>
-              <a:t>5/15/2019</a:t>
+              <a:t>5/18/2019</a:t>
             </a:fld>
             <a:endParaRPr lang="en-US"/>
           </a:p>
@@ -1772,7 +1773,7 @@
           <a:p>
             <a:fld id="{A226898B-11EF-4C35-9873-F08DC0FD54BD}" type="datetimeFigureOut">
               <a:rPr lang="en-US" smtClean="0"/>
-              <a:t>5/15/2019</a:t>
+              <a:t>5/18/2019</a:t>
             </a:fld>
             <a:endParaRPr lang="en-US"/>
           </a:p>
@@ -1890,7 +1891,7 @@
           <a:p>
             <a:fld id="{A226898B-11EF-4C35-9873-F08DC0FD54BD}" type="datetimeFigureOut">
               <a:rPr lang="en-US" smtClean="0"/>
-              <a:t>5/15/2019</a:t>
+              <a:t>5/18/2019</a:t>
             </a:fld>
             <a:endParaRPr lang="en-US"/>
           </a:p>
@@ -1985,7 +1986,7 @@
           <a:p>
             <a:fld id="{A226898B-11EF-4C35-9873-F08DC0FD54BD}" type="datetimeFigureOut">
               <a:rPr lang="en-US" smtClean="0"/>
-              <a:t>5/15/2019</a:t>
+              <a:t>5/18/2019</a:t>
             </a:fld>
             <a:endParaRPr lang="en-US"/>
           </a:p>
@@ -2262,7 +2263,7 @@
           <a:p>
             <a:fld id="{A226898B-11EF-4C35-9873-F08DC0FD54BD}" type="datetimeFigureOut">
               <a:rPr lang="en-US" smtClean="0"/>
-              <a:t>5/15/2019</a:t>
+              <a:t>5/18/2019</a:t>
             </a:fld>
             <a:endParaRPr lang="en-US"/>
           </a:p>
@@ -2515,7 +2516,7 @@
           <a:p>
             <a:fld id="{A226898B-11EF-4C35-9873-F08DC0FD54BD}" type="datetimeFigureOut">
               <a:rPr lang="en-US" smtClean="0"/>
-              <a:t>5/15/2019</a:t>
+              <a:t>5/18/2019</a:t>
             </a:fld>
             <a:endParaRPr lang="en-US"/>
           </a:p>
@@ -2737,7 +2738,7 @@
           <a:p>
             <a:fld id="{A226898B-11EF-4C35-9873-F08DC0FD54BD}" type="datetimeFigureOut">
               <a:rPr lang="en-US" smtClean="0"/>
-              <a:t>5/15/2019</a:t>
+              <a:t>5/18/2019</a:t>
             </a:fld>
             <a:endParaRPr lang="en-US"/>
           </a:p>
@@ -3301,6 +3302,132 @@
 </p:sld>
 </file>
 
+<file path=ppt/slides/slide10.xml><?xml version="1.0" encoding="utf-8"?>
+<p:sld xmlns:a="http://schemas.openxmlformats.org/drawingml/2006/main" xmlns:r="http://schemas.openxmlformats.org/officeDocument/2006/relationships" xmlns:p="http://schemas.openxmlformats.org/presentationml/2006/main">
+  <p:cSld>
+    <p:spTree>
+      <p:nvGrpSpPr>
+        <p:cNvPr id="1" name=""/>
+        <p:cNvGrpSpPr/>
+        <p:nvPr/>
+      </p:nvGrpSpPr>
+      <p:grpSpPr>
+        <a:xfrm>
+          <a:off x="0" y="0"/>
+          <a:ext cx="0" cy="0"/>
+          <a:chOff x="0" y="0"/>
+          <a:chExt cx="0" cy="0"/>
+        </a:xfrm>
+      </p:grpSpPr>
+      <p:sp>
+        <p:nvSpPr>
+          <p:cNvPr id="2" name="Title 1"/>
+          <p:cNvSpPr>
+            <a:spLocks noGrp="1"/>
+          </p:cNvSpPr>
+          <p:nvPr>
+            <p:ph type="ctrTitle"/>
+          </p:nvPr>
+        </p:nvSpPr>
+        <p:spPr>
+          <a:xfrm>
+            <a:off x="609600" y="304801"/>
+            <a:ext cx="7772400" cy="762000"/>
+          </a:xfrm>
+        </p:spPr>
+        <p:txBody>
+          <a:bodyPr/>
+          <a:lstStyle/>
+          <a:p>
+            <a:pPr algn="l"/>
+            <a:r>
+              <a:rPr lang="en-US" dirty="0" smtClean="0"/>
+              <a:t>The End</a:t>
+            </a:r>
+            <a:endParaRPr lang="en-US" dirty="0"/>
+          </a:p>
+        </p:txBody>
+      </p:sp>
+      <p:sp>
+        <p:nvSpPr>
+          <p:cNvPr id="3" name="Subtitle 2"/>
+          <p:cNvSpPr>
+            <a:spLocks noGrp="1"/>
+          </p:cNvSpPr>
+          <p:nvPr>
+            <p:ph type="subTitle" idx="1"/>
+          </p:nvPr>
+        </p:nvSpPr>
+        <p:spPr>
+          <a:xfrm>
+            <a:off x="609600" y="1143000"/>
+            <a:ext cx="8153400" cy="5410200"/>
+          </a:xfrm>
+        </p:spPr>
+        <p:txBody>
+          <a:bodyPr>
+            <a:normAutofit/>
+          </a:bodyPr>
+          <a:lstStyle/>
+          <a:p>
+            <a:pPr marL="457200" indent="-457200" algn="l">
+              <a:buFont typeface="Arial" pitchFamily="34" charset="0"/>
+              <a:buChar char="•"/>
+            </a:pPr>
+            <a:endParaRPr lang="en-US" dirty="0" smtClean="0">
+              <a:solidFill>
+                <a:schemeClr val="tx1"/>
+              </a:solidFill>
+            </a:endParaRPr>
+          </a:p>
+          <a:p>
+            <a:pPr algn="l"/>
+            <a:endParaRPr lang="en-US" dirty="0">
+              <a:solidFill>
+                <a:schemeClr val="tx1"/>
+              </a:solidFill>
+            </a:endParaRPr>
+          </a:p>
+          <a:p>
+            <a:pPr algn="l"/>
+            <a:endParaRPr lang="en-US" dirty="0">
+              <a:solidFill>
+                <a:schemeClr val="tx1"/>
+              </a:solidFill>
+            </a:endParaRPr>
+          </a:p>
+          <a:p>
+            <a:r>
+              <a:rPr lang="en-US" dirty="0" smtClean="0">
+                <a:solidFill>
+                  <a:schemeClr val="tx1"/>
+                </a:solidFill>
+              </a:rPr>
+              <a:t>Any Questions?</a:t>
+            </a:r>
+          </a:p>
+        </p:txBody>
+      </p:sp>
+    </p:spTree>
+    <p:extLst>
+      <p:ext uri="{BB962C8B-B14F-4D97-AF65-F5344CB8AC3E}">
+        <p14:creationId xmlns:p14="http://schemas.microsoft.com/office/powerpoint/2010/main" val="1358458923"/>
+      </p:ext>
+    </p:extLst>
+  </p:cSld>
+  <p:clrMapOvr>
+    <a:masterClrMapping/>
+  </p:clrMapOvr>
+  <p:timing>
+    <p:tnLst>
+      <p:par>
+        <p:cTn id="1" dur="indefinite" restart="never" nodeType="tmRoot"/>
+      </p:par>
+    </p:tnLst>
+  </p:timing>
+</p:sld>
+</file>
+
 <file path=ppt/slides/slide2.xml><?xml version="1.0" encoding="utf-8"?>
 <p:sld xmlns:a="http://schemas.openxmlformats.org/drawingml/2006/main" xmlns:r="http://schemas.openxmlformats.org/officeDocument/2006/relationships" xmlns:p="http://schemas.openxmlformats.org/presentationml/2006/main">
   <p:cSld>
@@ -4189,15 +4316,7 @@
                   <a:schemeClr val="tx1"/>
                 </a:solidFill>
               </a:rPr>
-              <a:t>No max length of the form </a:t>
-            </a:r>
-            <a:r>
-              <a:rPr lang="en-US" dirty="0" smtClean="0">
-                <a:solidFill>
-                  <a:schemeClr val="tx1"/>
-                </a:solidFill>
-              </a:rPr>
-              <a:t>fields</a:t>
+              <a:t>No max length of the form fields</a:t>
             </a:r>
           </a:p>
           <a:p>
@@ -4221,11 +4340,6 @@
               </a:rPr>
               <a:t>aren’t properly stacked</a:t>
             </a:r>
-            <a:endParaRPr lang="en-US" dirty="0" smtClean="0">
-              <a:solidFill>
-                <a:schemeClr val="tx1"/>
-              </a:solidFill>
-            </a:endParaRPr>
           </a:p>
           <a:p>
             <a:pPr marL="457200" indent="-457200" algn="l">
@@ -4311,7 +4425,7 @@
             <a:pPr algn="l"/>
             <a:r>
               <a:rPr lang="en-US" dirty="0" smtClean="0"/>
-              <a:t>The End</a:t>
+              <a:t>Video</a:t>
             </a:r>
             <a:endParaRPr lang="en-US" dirty="0"/>
           </a:p>
@@ -4329,8 +4443,8 @@
         </p:nvSpPr>
         <p:spPr>
           <a:xfrm>
-            <a:off x="609600" y="1143000"/>
-            <a:ext cx="8153400" cy="5410200"/>
+            <a:off x="0" y="990600"/>
+            <a:ext cx="9144000" cy="5410200"/>
           </a:xfrm>
         </p:spPr>
         <p:txBody>
@@ -4338,17 +4452,6 @@
             <a:normAutofit/>
           </a:bodyPr>
           <a:lstStyle/>
-          <a:p>
-            <a:pPr marL="457200" indent="-457200" algn="l">
-              <a:buFont typeface="Arial" pitchFamily="34" charset="0"/>
-              <a:buChar char="•"/>
-            </a:pPr>
-            <a:endParaRPr lang="en-US" dirty="0" smtClean="0">
-              <a:solidFill>
-                <a:schemeClr val="tx1"/>
-              </a:solidFill>
-            </a:endParaRPr>
-          </a:p>
           <a:p>
             <a:pPr algn="l"/>
             <a:endParaRPr lang="en-US" dirty="0">
@@ -4366,14 +4469,33 @@
             </a:endParaRPr>
           </a:p>
           <a:p>
-            <a:r>
-              <a:rPr lang="en-US" dirty="0" smtClean="0">
+            <a:endParaRPr lang="en-US" dirty="0">
+              <a:solidFill>
+                <a:schemeClr val="tx1"/>
+              </a:solidFill>
+            </a:endParaRPr>
+          </a:p>
+          <a:p>
+            <a:endParaRPr lang="en-US" dirty="0">
+              <a:solidFill>
+                <a:schemeClr val="tx1"/>
+              </a:solidFill>
+            </a:endParaRPr>
+          </a:p>
+          <a:p>
+            <a:r>
+              <a:rPr lang="en-US" sz="1800" i="1" dirty="0" smtClean="0">
                 <a:solidFill>
                   <a:schemeClr val="tx1"/>
                 </a:solidFill>
               </a:rPr>
-              <a:t>Any Questions?</a:t>
-            </a:r>
+              <a:t>(Attachment file not found)</a:t>
+            </a:r>
+            <a:endParaRPr lang="en-US" sz="1800" i="1" dirty="0" smtClean="0">
+              <a:solidFill>
+                <a:schemeClr val="tx1"/>
+              </a:solidFill>
+            </a:endParaRPr>
           </a:p>
         </p:txBody>
       </p:sp>
